--- a/01.Introduction.pptx
+++ b/01.Introduction.pptx
@@ -11534,7 +11534,6 @@
           </a:bodyPr>
           <a:lstStyle/>
           <a:p>
-            <a:pPr algn="ctr"/>
             <a:r>
               <a:rPr lang="en-US" b="1" dirty="0">
                 <a:solidFill>
